--- a/Analysis of House Sales.pptx
+++ b/Analysis of House Sales.pptx
@@ -124,7 +124,7 @@
 <file path=ppt/revisionInfo.xml><?xml version="1.0" encoding="utf-8"?>
 <p1510:revInfo xmlns:a="http://schemas.openxmlformats.org/drawingml/2006/main" xmlns:r="http://schemas.openxmlformats.org/officeDocument/2006/relationships" xmlns:p1510="http://schemas.microsoft.com/office/powerpoint/2015/10/main">
   <p1510:revLst>
-    <p1510:client id="{0AA9E64E-ABF7-4701-937F-1D65176FE377}" v="31" dt="2022-12-13T18:35:48.913"/>
+    <p1510:client id="{0AA9E64E-ABF7-4701-937F-1D65176FE377}" v="62" dt="2022-12-14T01:49:40.399"/>
   </p1510:revLst>
 </p1510:revInfo>
 </file>
@@ -133,23 +133,222 @@
 <pc:chgInfo xmlns:a="http://schemas.openxmlformats.org/drawingml/2006/main" xmlns:r="http://schemas.openxmlformats.org/officeDocument/2006/relationships" xmlns:ac="http://schemas.microsoft.com/office/drawing/2013/main/command" xmlns:pc="http://schemas.microsoft.com/office/powerpoint/2013/main/command">
   <pc:docChgLst>
     <pc:chgData name="Penina WANYAMA" userId="35e03ede-39c9-4c26-9704-5f7cd42f685b" providerId="ADAL" clId="{0AA9E64E-ABF7-4701-937F-1D65176FE377}"/>
-    <pc:docChg chg="modSld">
-      <pc:chgData name="Penina WANYAMA" userId="35e03ede-39c9-4c26-9704-5f7cd42f685b" providerId="ADAL" clId="{0AA9E64E-ABF7-4701-937F-1D65176FE377}" dt="2022-12-13T18:37:45.301" v="36" actId="12"/>
+    <pc:docChg chg="undo custSel modSld">
+      <pc:chgData name="Penina WANYAMA" userId="35e03ede-39c9-4c26-9704-5f7cd42f685b" providerId="ADAL" clId="{0AA9E64E-ABF7-4701-937F-1D65176FE377}" dt="2022-12-14T01:51:28.293" v="193" actId="2710"/>
       <pc:docMkLst>
         <pc:docMk/>
       </pc:docMkLst>
-      <pc:sldChg chg="modSp">
-        <pc:chgData name="Penina WANYAMA" userId="35e03ede-39c9-4c26-9704-5f7cd42f685b" providerId="ADAL" clId="{0AA9E64E-ABF7-4701-937F-1D65176FE377}" dt="2022-12-13T18:35:48.913" v="30" actId="20577"/>
+      <pc:sldChg chg="addSp delSp modSp mod">
+        <pc:chgData name="Penina WANYAMA" userId="35e03ede-39c9-4c26-9704-5f7cd42f685b" providerId="ADAL" clId="{0AA9E64E-ABF7-4701-937F-1D65176FE377}" dt="2022-12-14T01:47:22.690" v="142" actId="26606"/>
+        <pc:sldMkLst>
+          <pc:docMk/>
+          <pc:sldMk cId="3861768019" sldId="261"/>
+        </pc:sldMkLst>
+        <pc:spChg chg="mod">
+          <ac:chgData name="Penina WANYAMA" userId="35e03ede-39c9-4c26-9704-5f7cd42f685b" providerId="ADAL" clId="{0AA9E64E-ABF7-4701-937F-1D65176FE377}" dt="2022-12-14T01:47:09.239" v="141" actId="20577"/>
+          <ac:spMkLst>
+            <pc:docMk/>
+            <pc:sldMk cId="3861768019" sldId="261"/>
+            <ac:spMk id="3" creationId="{349C4588-6E39-922E-E396-97DCCDFF3F7C}"/>
+          </ac:spMkLst>
+        </pc:spChg>
+        <pc:spChg chg="del">
+          <ac:chgData name="Penina WANYAMA" userId="35e03ede-39c9-4c26-9704-5f7cd42f685b" providerId="ADAL" clId="{0AA9E64E-ABF7-4701-937F-1D65176FE377}" dt="2022-12-14T01:45:13.277" v="46" actId="26606"/>
+          <ac:spMkLst>
+            <pc:docMk/>
+            <pc:sldMk cId="3861768019" sldId="261"/>
+            <ac:spMk id="82" creationId="{A8384FB5-9ADC-4DDC-881B-597D56F5B15D}"/>
+          </ac:spMkLst>
+        </pc:spChg>
+        <pc:spChg chg="del">
+          <ac:chgData name="Penina WANYAMA" userId="35e03ede-39c9-4c26-9704-5f7cd42f685b" providerId="ADAL" clId="{0AA9E64E-ABF7-4701-937F-1D65176FE377}" dt="2022-12-14T01:45:13.277" v="46" actId="26606"/>
+          <ac:spMkLst>
+            <pc:docMk/>
+            <pc:sldMk cId="3861768019" sldId="261"/>
+            <ac:spMk id="84" creationId="{BC05CA36-AD6A-4ABF-9A05-52E5A143D2BB}"/>
+          </ac:spMkLst>
+        </pc:spChg>
+        <pc:spChg chg="del">
+          <ac:chgData name="Penina WANYAMA" userId="35e03ede-39c9-4c26-9704-5f7cd42f685b" providerId="ADAL" clId="{0AA9E64E-ABF7-4701-937F-1D65176FE377}" dt="2022-12-14T01:45:13.277" v="46" actId="26606"/>
+          <ac:spMkLst>
+            <pc:docMk/>
+            <pc:sldMk cId="3861768019" sldId="261"/>
+            <ac:spMk id="86" creationId="{D4331EE8-85A4-4588-8D9E-70E534D477DB}"/>
+          </ac:spMkLst>
+        </pc:spChg>
+        <pc:spChg chg="del">
+          <ac:chgData name="Penina WANYAMA" userId="35e03ede-39c9-4c26-9704-5f7cd42f685b" providerId="ADAL" clId="{0AA9E64E-ABF7-4701-937F-1D65176FE377}" dt="2022-12-14T01:45:13.277" v="46" actId="26606"/>
+          <ac:spMkLst>
+            <pc:docMk/>
+            <pc:sldMk cId="3861768019" sldId="261"/>
+            <ac:spMk id="88" creationId="{49D6C862-61CC-4B46-8080-96583D653BAB}"/>
+          </ac:spMkLst>
+        </pc:spChg>
+        <pc:spChg chg="del">
+          <ac:chgData name="Penina WANYAMA" userId="35e03ede-39c9-4c26-9704-5f7cd42f685b" providerId="ADAL" clId="{0AA9E64E-ABF7-4701-937F-1D65176FE377}" dt="2022-12-14T01:45:13.277" v="46" actId="26606"/>
+          <ac:spMkLst>
+            <pc:docMk/>
+            <pc:sldMk cId="3861768019" sldId="261"/>
+            <ac:spMk id="94" creationId="{E37EECFC-A684-4391-AE85-4CDAF5565F61}"/>
+          </ac:spMkLst>
+        </pc:spChg>
+        <pc:spChg chg="add del">
+          <ac:chgData name="Penina WANYAMA" userId="35e03ede-39c9-4c26-9704-5f7cd42f685b" providerId="ADAL" clId="{0AA9E64E-ABF7-4701-937F-1D65176FE377}" dt="2022-12-14T01:45:26.108" v="48" actId="26606"/>
+          <ac:spMkLst>
+            <pc:docMk/>
+            <pc:sldMk cId="3861768019" sldId="261"/>
+            <ac:spMk id="99" creationId="{A8384FB5-9ADC-4DDC-881B-597D56F5B15D}"/>
+          </ac:spMkLst>
+        </pc:spChg>
+        <pc:spChg chg="add del">
+          <ac:chgData name="Penina WANYAMA" userId="35e03ede-39c9-4c26-9704-5f7cd42f685b" providerId="ADAL" clId="{0AA9E64E-ABF7-4701-937F-1D65176FE377}" dt="2022-12-14T01:45:26.108" v="48" actId="26606"/>
+          <ac:spMkLst>
+            <pc:docMk/>
+            <pc:sldMk cId="3861768019" sldId="261"/>
+            <ac:spMk id="101" creationId="{BC05CA36-AD6A-4ABF-9A05-52E5A143D2BB}"/>
+          </ac:spMkLst>
+        </pc:spChg>
+        <pc:spChg chg="add del">
+          <ac:chgData name="Penina WANYAMA" userId="35e03ede-39c9-4c26-9704-5f7cd42f685b" providerId="ADAL" clId="{0AA9E64E-ABF7-4701-937F-1D65176FE377}" dt="2022-12-14T01:45:26.108" v="48" actId="26606"/>
+          <ac:spMkLst>
+            <pc:docMk/>
+            <pc:sldMk cId="3861768019" sldId="261"/>
+            <ac:spMk id="103" creationId="{D4331EE8-85A4-4588-8D9E-70E534D477DB}"/>
+          </ac:spMkLst>
+        </pc:spChg>
+        <pc:spChg chg="add del">
+          <ac:chgData name="Penina WANYAMA" userId="35e03ede-39c9-4c26-9704-5f7cd42f685b" providerId="ADAL" clId="{0AA9E64E-ABF7-4701-937F-1D65176FE377}" dt="2022-12-14T01:45:26.108" v="48" actId="26606"/>
+          <ac:spMkLst>
+            <pc:docMk/>
+            <pc:sldMk cId="3861768019" sldId="261"/>
+            <ac:spMk id="105" creationId="{49D6C862-61CC-4B46-8080-96583D653BAB}"/>
+          </ac:spMkLst>
+        </pc:spChg>
+        <pc:spChg chg="add del">
+          <ac:chgData name="Penina WANYAMA" userId="35e03ede-39c9-4c26-9704-5f7cd42f685b" providerId="ADAL" clId="{0AA9E64E-ABF7-4701-937F-1D65176FE377}" dt="2022-12-14T01:45:26.108" v="48" actId="26606"/>
+          <ac:spMkLst>
+            <pc:docMk/>
+            <pc:sldMk cId="3861768019" sldId="261"/>
+            <ac:spMk id="107" creationId="{E37EECFC-A684-4391-AE85-4CDAF5565F61}"/>
+          </ac:spMkLst>
+        </pc:spChg>
+        <pc:spChg chg="add del">
+          <ac:chgData name="Penina WANYAMA" userId="35e03ede-39c9-4c26-9704-5f7cd42f685b" providerId="ADAL" clId="{0AA9E64E-ABF7-4701-937F-1D65176FE377}" dt="2022-12-14T01:47:22.690" v="142" actId="26606"/>
+          <ac:spMkLst>
+            <pc:docMk/>
+            <pc:sldMk cId="3861768019" sldId="261"/>
+            <ac:spMk id="112" creationId="{A8384FB5-9ADC-4DDC-881B-597D56F5B15D}"/>
+          </ac:spMkLst>
+        </pc:spChg>
+        <pc:spChg chg="add del">
+          <ac:chgData name="Penina WANYAMA" userId="35e03ede-39c9-4c26-9704-5f7cd42f685b" providerId="ADAL" clId="{0AA9E64E-ABF7-4701-937F-1D65176FE377}" dt="2022-12-14T01:47:22.690" v="142" actId="26606"/>
+          <ac:spMkLst>
+            <pc:docMk/>
+            <pc:sldMk cId="3861768019" sldId="261"/>
+            <ac:spMk id="114" creationId="{BC05CA36-AD6A-4ABF-9A05-52E5A143D2BB}"/>
+          </ac:spMkLst>
+        </pc:spChg>
+        <pc:spChg chg="add del">
+          <ac:chgData name="Penina WANYAMA" userId="35e03ede-39c9-4c26-9704-5f7cd42f685b" providerId="ADAL" clId="{0AA9E64E-ABF7-4701-937F-1D65176FE377}" dt="2022-12-14T01:47:22.690" v="142" actId="26606"/>
+          <ac:spMkLst>
+            <pc:docMk/>
+            <pc:sldMk cId="3861768019" sldId="261"/>
+            <ac:spMk id="116" creationId="{D4331EE8-85A4-4588-8D9E-70E534D477DB}"/>
+          </ac:spMkLst>
+        </pc:spChg>
+        <pc:spChg chg="add del">
+          <ac:chgData name="Penina WANYAMA" userId="35e03ede-39c9-4c26-9704-5f7cd42f685b" providerId="ADAL" clId="{0AA9E64E-ABF7-4701-937F-1D65176FE377}" dt="2022-12-14T01:47:22.690" v="142" actId="26606"/>
+          <ac:spMkLst>
+            <pc:docMk/>
+            <pc:sldMk cId="3861768019" sldId="261"/>
+            <ac:spMk id="118" creationId="{49D6C862-61CC-4B46-8080-96583D653BAB}"/>
+          </ac:spMkLst>
+        </pc:spChg>
+        <pc:spChg chg="add del">
+          <ac:chgData name="Penina WANYAMA" userId="35e03ede-39c9-4c26-9704-5f7cd42f685b" providerId="ADAL" clId="{0AA9E64E-ABF7-4701-937F-1D65176FE377}" dt="2022-12-14T01:47:22.690" v="142" actId="26606"/>
+          <ac:spMkLst>
+            <pc:docMk/>
+            <pc:sldMk cId="3861768019" sldId="261"/>
+            <ac:spMk id="120" creationId="{E37EECFC-A684-4391-AE85-4CDAF5565F61}"/>
+          </ac:spMkLst>
+        </pc:spChg>
+        <pc:spChg chg="add">
+          <ac:chgData name="Penina WANYAMA" userId="35e03ede-39c9-4c26-9704-5f7cd42f685b" providerId="ADAL" clId="{0AA9E64E-ABF7-4701-937F-1D65176FE377}" dt="2022-12-14T01:47:22.690" v="142" actId="26606"/>
+          <ac:spMkLst>
+            <pc:docMk/>
+            <pc:sldMk cId="3861768019" sldId="261"/>
+            <ac:spMk id="125" creationId="{A8384FB5-9ADC-4DDC-881B-597D56F5B15D}"/>
+          </ac:spMkLst>
+        </pc:spChg>
+        <pc:spChg chg="add">
+          <ac:chgData name="Penina WANYAMA" userId="35e03ede-39c9-4c26-9704-5f7cd42f685b" providerId="ADAL" clId="{0AA9E64E-ABF7-4701-937F-1D65176FE377}" dt="2022-12-14T01:47:22.690" v="142" actId="26606"/>
+          <ac:spMkLst>
+            <pc:docMk/>
+            <pc:sldMk cId="3861768019" sldId="261"/>
+            <ac:spMk id="127" creationId="{BC05CA36-AD6A-4ABF-9A05-52E5A143D2BB}"/>
+          </ac:spMkLst>
+        </pc:spChg>
+        <pc:spChg chg="add">
+          <ac:chgData name="Penina WANYAMA" userId="35e03ede-39c9-4c26-9704-5f7cd42f685b" providerId="ADAL" clId="{0AA9E64E-ABF7-4701-937F-1D65176FE377}" dt="2022-12-14T01:47:22.690" v="142" actId="26606"/>
+          <ac:spMkLst>
+            <pc:docMk/>
+            <pc:sldMk cId="3861768019" sldId="261"/>
+            <ac:spMk id="129" creationId="{D4331EE8-85A4-4588-8D9E-70E534D477DB}"/>
+          </ac:spMkLst>
+        </pc:spChg>
+        <pc:spChg chg="add">
+          <ac:chgData name="Penina WANYAMA" userId="35e03ede-39c9-4c26-9704-5f7cd42f685b" providerId="ADAL" clId="{0AA9E64E-ABF7-4701-937F-1D65176FE377}" dt="2022-12-14T01:47:22.690" v="142" actId="26606"/>
+          <ac:spMkLst>
+            <pc:docMk/>
+            <pc:sldMk cId="3861768019" sldId="261"/>
+            <ac:spMk id="131" creationId="{49D6C862-61CC-4B46-8080-96583D653BAB}"/>
+          </ac:spMkLst>
+        </pc:spChg>
+        <pc:spChg chg="add">
+          <ac:chgData name="Penina WANYAMA" userId="35e03ede-39c9-4c26-9704-5f7cd42f685b" providerId="ADAL" clId="{0AA9E64E-ABF7-4701-937F-1D65176FE377}" dt="2022-12-14T01:47:22.690" v="142" actId="26606"/>
+          <ac:spMkLst>
+            <pc:docMk/>
+            <pc:sldMk cId="3861768019" sldId="261"/>
+            <ac:spMk id="133" creationId="{E37EECFC-A684-4391-AE85-4CDAF5565F61}"/>
+          </ac:spMkLst>
+        </pc:spChg>
+        <pc:picChg chg="del">
+          <ac:chgData name="Penina WANYAMA" userId="35e03ede-39c9-4c26-9704-5f7cd42f685b" providerId="ADAL" clId="{0AA9E64E-ABF7-4701-937F-1D65176FE377}" dt="2022-12-14T01:44:28.852" v="40" actId="478"/>
+          <ac:picMkLst>
+            <pc:docMk/>
+            <pc:sldMk cId="3861768019" sldId="261"/>
+            <ac:picMk id="5" creationId="{4BF8E3BD-15DC-A6B7-4EF7-3A79263E939B}"/>
+          </ac:picMkLst>
+        </pc:picChg>
+        <pc:picChg chg="add mod">
+          <ac:chgData name="Penina WANYAMA" userId="35e03ede-39c9-4c26-9704-5f7cd42f685b" providerId="ADAL" clId="{0AA9E64E-ABF7-4701-937F-1D65176FE377}" dt="2022-12-14T01:45:26.108" v="48" actId="26606"/>
+          <ac:picMkLst>
+            <pc:docMk/>
+            <pc:sldMk cId="3861768019" sldId="261"/>
+            <ac:picMk id="6" creationId="{2D0AE023-2A88-42DE-D8D8-F5CB64A777CA}"/>
+          </ac:picMkLst>
+        </pc:picChg>
+      </pc:sldChg>
+      <pc:sldChg chg="modSp mod">
+        <pc:chgData name="Penina WANYAMA" userId="35e03ede-39c9-4c26-9704-5f7cd42f685b" providerId="ADAL" clId="{0AA9E64E-ABF7-4701-937F-1D65176FE377}" dt="2022-12-14T01:51:28.293" v="193" actId="2710"/>
         <pc:sldMkLst>
           <pc:docMk/>
           <pc:sldMk cId="2257201679" sldId="262"/>
         </pc:sldMkLst>
         <pc:spChg chg="mod">
-          <ac:chgData name="Penina WANYAMA" userId="35e03ede-39c9-4c26-9704-5f7cd42f685b" providerId="ADAL" clId="{0AA9E64E-ABF7-4701-937F-1D65176FE377}" dt="2022-12-13T18:35:48.913" v="30" actId="20577"/>
+          <ac:chgData name="Penina WANYAMA" userId="35e03ede-39c9-4c26-9704-5f7cd42f685b" providerId="ADAL" clId="{0AA9E64E-ABF7-4701-937F-1D65176FE377}" dt="2022-12-14T01:49:40.421" v="179" actId="27636"/>
           <ac:spMkLst>
             <pc:docMk/>
             <pc:sldMk cId="2257201679" sldId="262"/>
             <ac:spMk id="2" creationId="{EB171899-AFF4-790E-0F50-F2B3E1B4DE75}"/>
+          </ac:spMkLst>
+        </pc:spChg>
+        <pc:spChg chg="mod">
+          <ac:chgData name="Penina WANYAMA" userId="35e03ede-39c9-4c26-9704-5f7cd42f685b" providerId="ADAL" clId="{0AA9E64E-ABF7-4701-937F-1D65176FE377}" dt="2022-12-14T01:51:28.293" v="193" actId="2710"/>
+          <ac:spMkLst>
+            <pc:docMk/>
+            <pc:sldMk cId="2257201679" sldId="262"/>
+            <ac:spMk id="3" creationId="{349C4588-6E39-922E-E396-97DCCDFF3F7C}"/>
           </ac:spMkLst>
         </pc:spChg>
       </pc:sldChg>
@@ -337,7 +536,7 @@
           <a:p>
             <a:fld id="{5F126065-ADC9-4BE9-B6A7-84153C8D5A5F}" type="datetimeFigureOut">
               <a:rPr lang="en-GB" smtClean="0"/>
-              <a:t>13/12/2022</a:t>
+              <a:t>14/12/2022</a:t>
             </a:fld>
             <a:endParaRPr lang="en-GB"/>
           </a:p>
@@ -537,7 +736,7 @@
           <a:p>
             <a:fld id="{5F126065-ADC9-4BE9-B6A7-84153C8D5A5F}" type="datetimeFigureOut">
               <a:rPr lang="en-GB" smtClean="0"/>
-              <a:t>13/12/2022</a:t>
+              <a:t>14/12/2022</a:t>
             </a:fld>
             <a:endParaRPr lang="en-GB"/>
           </a:p>
@@ -747,7 +946,7 @@
           <a:p>
             <a:fld id="{5F126065-ADC9-4BE9-B6A7-84153C8D5A5F}" type="datetimeFigureOut">
               <a:rPr lang="en-GB" smtClean="0"/>
-              <a:t>13/12/2022</a:t>
+              <a:t>14/12/2022</a:t>
             </a:fld>
             <a:endParaRPr lang="en-GB"/>
           </a:p>
@@ -947,7 +1146,7 @@
           <a:p>
             <a:fld id="{5F126065-ADC9-4BE9-B6A7-84153C8D5A5F}" type="datetimeFigureOut">
               <a:rPr lang="en-GB" smtClean="0"/>
-              <a:t>13/12/2022</a:t>
+              <a:t>14/12/2022</a:t>
             </a:fld>
             <a:endParaRPr lang="en-GB"/>
           </a:p>
@@ -1223,7 +1422,7 @@
           <a:p>
             <a:fld id="{5F126065-ADC9-4BE9-B6A7-84153C8D5A5F}" type="datetimeFigureOut">
               <a:rPr lang="en-GB" smtClean="0"/>
-              <a:t>13/12/2022</a:t>
+              <a:t>14/12/2022</a:t>
             </a:fld>
             <a:endParaRPr lang="en-GB"/>
           </a:p>
@@ -1491,7 +1690,7 @@
           <a:p>
             <a:fld id="{5F126065-ADC9-4BE9-B6A7-84153C8D5A5F}" type="datetimeFigureOut">
               <a:rPr lang="en-GB" smtClean="0"/>
-              <a:t>13/12/2022</a:t>
+              <a:t>14/12/2022</a:t>
             </a:fld>
             <a:endParaRPr lang="en-GB"/>
           </a:p>
@@ -1906,7 +2105,7 @@
           <a:p>
             <a:fld id="{5F126065-ADC9-4BE9-B6A7-84153C8D5A5F}" type="datetimeFigureOut">
               <a:rPr lang="en-GB" smtClean="0"/>
-              <a:t>13/12/2022</a:t>
+              <a:t>14/12/2022</a:t>
             </a:fld>
             <a:endParaRPr lang="en-GB"/>
           </a:p>
@@ -2048,7 +2247,7 @@
           <a:p>
             <a:fld id="{5F126065-ADC9-4BE9-B6A7-84153C8D5A5F}" type="datetimeFigureOut">
               <a:rPr lang="en-GB" smtClean="0"/>
-              <a:t>13/12/2022</a:t>
+              <a:t>14/12/2022</a:t>
             </a:fld>
             <a:endParaRPr lang="en-GB"/>
           </a:p>
@@ -2161,7 +2360,7 @@
           <a:p>
             <a:fld id="{5F126065-ADC9-4BE9-B6A7-84153C8D5A5F}" type="datetimeFigureOut">
               <a:rPr lang="en-GB" smtClean="0"/>
-              <a:t>13/12/2022</a:t>
+              <a:t>14/12/2022</a:t>
             </a:fld>
             <a:endParaRPr lang="en-GB"/>
           </a:p>
@@ -2474,7 +2673,7 @@
           <a:p>
             <a:fld id="{5F126065-ADC9-4BE9-B6A7-84153C8D5A5F}" type="datetimeFigureOut">
               <a:rPr lang="en-GB" smtClean="0"/>
-              <a:t>13/12/2022</a:t>
+              <a:t>14/12/2022</a:t>
             </a:fld>
             <a:endParaRPr lang="en-GB"/>
           </a:p>
@@ -2763,7 +2962,7 @@
           <a:p>
             <a:fld id="{5F126065-ADC9-4BE9-B6A7-84153C8D5A5F}" type="datetimeFigureOut">
               <a:rPr lang="en-GB" smtClean="0"/>
-              <a:t>13/12/2022</a:t>
+              <a:t>14/12/2022</a:t>
             </a:fld>
             <a:endParaRPr lang="en-GB"/>
           </a:p>
@@ -3006,7 +3205,7 @@
           <a:p>
             <a:fld id="{5F126065-ADC9-4BE9-B6A7-84153C8D5A5F}" type="datetimeFigureOut">
               <a:rPr lang="en-GB" smtClean="0"/>
-              <a:t>13/12/2022</a:t>
+              <a:t>14/12/2022</a:t>
             </a:fld>
             <a:endParaRPr lang="en-GB"/>
           </a:p>
@@ -7349,7 +7548,7 @@
       </p:grpSpPr>
       <p:sp useBgFill="1">
         <p:nvSpPr>
-          <p:cNvPr id="82" name="Rectangle 74">
+          <p:cNvPr id="125" name="Rectangle 124">
             <a:extLst>
               <a:ext uri="{FF2B5EF4-FFF2-40B4-BE49-F238E27FC236}">
                 <a16:creationId xmlns:a16="http://schemas.microsoft.com/office/drawing/2014/main" id="{A8384FB5-9ADC-4DDC-881B-597D56F5B15D}"/>
@@ -7461,7 +7660,7 @@
       </p:sp>
       <p:sp>
         <p:nvSpPr>
-          <p:cNvPr id="84" name="Rectangle 76">
+          <p:cNvPr id="127" name="Rectangle 126">
             <a:extLst>
               <a:ext uri="{FF2B5EF4-FFF2-40B4-BE49-F238E27FC236}">
                 <a16:creationId xmlns:a16="http://schemas.microsoft.com/office/drawing/2014/main" id="{BC05CA36-AD6A-4ABF-9A05-52E5A143D2BB}"/>
@@ -7532,7 +7731,7 @@
       </p:sp>
       <p:sp>
         <p:nvSpPr>
-          <p:cNvPr id="86" name="Rectangle 78">
+          <p:cNvPr id="129" name="Rectangle 128">
             <a:extLst>
               <a:ext uri="{FF2B5EF4-FFF2-40B4-BE49-F238E27FC236}">
                 <a16:creationId xmlns:a16="http://schemas.microsoft.com/office/drawing/2014/main" id="{D4331EE8-85A4-4588-8D9E-70E534D477DB}"/>
@@ -7607,7 +7806,7 @@
       </p:sp>
       <p:sp>
         <p:nvSpPr>
-          <p:cNvPr id="88" name="Rectangle 80">
+          <p:cNvPr id="131" name="Rectangle 130">
             <a:extLst>
               <a:ext uri="{FF2B5EF4-FFF2-40B4-BE49-F238E27FC236}">
                 <a16:creationId xmlns:a16="http://schemas.microsoft.com/office/drawing/2014/main" id="{49D6C862-61CC-4B46-8080-96583D653BAB}"/>
@@ -7730,7 +7929,7 @@
                   <a:srgbClr val="FFFFFF"/>
                 </a:solidFill>
               </a:rPr>
-              <a:t>House grading is the most positively correlated with a value of 0.7 then followed by the square fit of the living area with about 0.67</a:t>
+              <a:t>House square ft living is the most positively correlated with a value of 0.7 then followed by the square followed by real estate house grading area with about 0.67</a:t>
             </a:r>
           </a:p>
           <a:p>
@@ -7753,10 +7952,10 @@
       </p:sp>
       <p:pic>
         <p:nvPicPr>
-          <p:cNvPr id="5" name="Picture 4" descr="Chart, timeline&#10;&#10;Description automatically generated">
-            <a:extLst>
-              <a:ext uri="{FF2B5EF4-FFF2-40B4-BE49-F238E27FC236}">
-                <a16:creationId xmlns:a16="http://schemas.microsoft.com/office/drawing/2014/main" id="{4BF8E3BD-15DC-A6B7-4EF7-3A79263E939B}"/>
+          <p:cNvPr id="6" name="Picture 5" descr="Chart, timeline&#10;&#10;Description automatically generated">
+            <a:extLst>
+              <a:ext uri="{FF2B5EF4-FFF2-40B4-BE49-F238E27FC236}">
+                <a16:creationId xmlns:a16="http://schemas.microsoft.com/office/drawing/2014/main" id="{2D0AE023-2A88-42DE-D8D8-F5CB64A777CA}"/>
               </a:ext>
             </a:extLst>
           </p:cNvPr>
@@ -7789,7 +7988,7 @@
       </p:pic>
       <p:sp>
         <p:nvSpPr>
-          <p:cNvPr id="94" name="Rectangle 82">
+          <p:cNvPr id="133" name="Rectangle 132">
             <a:extLst>
               <a:ext uri="{FF2B5EF4-FFF2-40B4-BE49-F238E27FC236}">
                 <a16:creationId xmlns:a16="http://schemas.microsoft.com/office/drawing/2014/main" id="{E37EECFC-A684-4391-AE85-4CDAF5565F61}"/>
@@ -8484,13 +8683,13 @@
         </p:nvSpPr>
         <p:spPr>
           <a:xfrm>
-            <a:off x="660041" y="2767106"/>
-            <a:ext cx="2880828" cy="3071906"/>
+            <a:off x="660040" y="2767106"/>
+            <a:ext cx="2919739" cy="3085054"/>
           </a:xfrm>
         </p:spPr>
         <p:txBody>
           <a:bodyPr vert="horz" lIns="91440" tIns="45720" rIns="91440" bIns="45720" rtlCol="0" anchor="t">
-            <a:normAutofit/>
+            <a:normAutofit fontScale="90000"/>
           </a:bodyPr>
           <a:lstStyle/>
           <a:p>
@@ -8504,7 +8703,7 @@
                 <a:ea typeface="+mj-ea"/>
                 <a:cs typeface="+mj-cs"/>
               </a:rPr>
-              <a:t> Regression Analysis Results</a:t>
+              <a:t> Regression Analysis Results-</a:t>
             </a:r>
             <a:br>
               <a:rPr lang="en-US" sz="4000" b="1" kern="1200" dirty="0">
@@ -8525,7 +8724,15 @@
                 <a:ea typeface="+mj-ea"/>
                 <a:cs typeface="+mj-cs"/>
               </a:rPr>
-              <a:t>(predictions)</a:t>
+              <a:t>I</a:t>
+            </a:r>
+            <a:r>
+              <a:rPr lang="en-US" sz="4000" b="1" dirty="0">
+                <a:solidFill>
+                  <a:srgbClr val="FFFFFF"/>
+                </a:solidFill>
+              </a:rPr>
+              <a:t>nterpretation</a:t>
             </a:r>
             <a:br>
               <a:rPr lang="en-US" sz="4000" kern="1200" dirty="0">
@@ -8596,7 +8803,46 @@
                 <a:effectLst/>
                 <a:latin typeface="+mj-lt"/>
               </a:rPr>
-              <a:t>From our regression analysis the base price for a house is $ 6672793.67 with a variance of about  $216596.78. The price of a house unit however fluctuates with change in below factors as explained in the table</a:t>
+              <a:t>From our </a:t>
+            </a:r>
+            <a:r>
+              <a:rPr lang="en-GB" sz="1600" b="0" i="0" dirty="0">
+                <a:solidFill>
+                  <a:srgbClr val="FFFFFF"/>
+                </a:solidFill>
+                <a:effectLst/>
+              </a:rPr>
+              <a:t>regression</a:t>
+            </a:r>
+            <a:r>
+              <a:rPr lang="en-GB" sz="1600" b="0" i="0" dirty="0">
+                <a:solidFill>
+                  <a:srgbClr val="FFFFFF"/>
+                </a:solidFill>
+                <a:effectLst/>
+                <a:latin typeface="+mj-lt"/>
+              </a:rPr>
+              <a:t> analysis the base price for a house is</a:t>
+            </a:r>
+            <a:r>
+              <a:rPr lang="en-GB" sz="1600" b="1" i="0" dirty="0">
+                <a:solidFill>
+                  <a:srgbClr val="FFFFFF"/>
+                </a:solidFill>
+                <a:effectLst/>
+                <a:latin typeface="+mj-lt"/>
+              </a:rPr>
+              <a:t> $ 6672793.67</a:t>
+            </a:r>
+            <a:r>
+              <a:rPr lang="en-GB" sz="1600" b="0" i="0" dirty="0">
+                <a:solidFill>
+                  <a:srgbClr val="FFFFFF"/>
+                </a:solidFill>
+                <a:effectLst/>
+                <a:latin typeface="+mj-lt"/>
+              </a:rPr>
+              <a:t> with a variance of about  $216596.78. The price of a house unit however fluctuates with change in below factors as explained in the table</a:t>
             </a:r>
           </a:p>
           <a:p>

--- a/Analysis of House Sales.pptx
+++ b/Analysis of House Sales.pptx
@@ -134,7 +134,7 @@
   <pc:docChgLst>
     <pc:chgData name="Penina WANYAMA" userId="35e03ede-39c9-4c26-9704-5f7cd42f685b" providerId="ADAL" clId="{0AA9E64E-ABF7-4701-937F-1D65176FE377}"/>
     <pc:docChg chg="undo custSel modSld">
-      <pc:chgData name="Penina WANYAMA" userId="35e03ede-39c9-4c26-9704-5f7cd42f685b" providerId="ADAL" clId="{0AA9E64E-ABF7-4701-937F-1D65176FE377}" dt="2022-12-14T01:51:28.293" v="193" actId="2710"/>
+      <pc:chgData name="Penina WANYAMA" userId="35e03ede-39c9-4c26-9704-5f7cd42f685b" providerId="ADAL" clId="{0AA9E64E-ABF7-4701-937F-1D65176FE377}" dt="2022-12-14T02:17:25.840" v="240" actId="20577"/>
       <pc:docMkLst>
         <pc:docMk/>
       </pc:docMkLst>
@@ -330,7 +330,7 @@
         </pc:picChg>
       </pc:sldChg>
       <pc:sldChg chg="modSp mod">
-        <pc:chgData name="Penina WANYAMA" userId="35e03ede-39c9-4c26-9704-5f7cd42f685b" providerId="ADAL" clId="{0AA9E64E-ABF7-4701-937F-1D65176FE377}" dt="2022-12-14T01:51:28.293" v="193" actId="2710"/>
+        <pc:chgData name="Penina WANYAMA" userId="35e03ede-39c9-4c26-9704-5f7cd42f685b" providerId="ADAL" clId="{0AA9E64E-ABF7-4701-937F-1D65176FE377}" dt="2022-12-14T02:16:30.629" v="219" actId="20577"/>
         <pc:sldMkLst>
           <pc:docMk/>
           <pc:sldMk cId="2257201679" sldId="262"/>
@@ -344,7 +344,7 @@
           </ac:spMkLst>
         </pc:spChg>
         <pc:spChg chg="mod">
-          <ac:chgData name="Penina WANYAMA" userId="35e03ede-39c9-4c26-9704-5f7cd42f685b" providerId="ADAL" clId="{0AA9E64E-ABF7-4701-937F-1D65176FE377}" dt="2022-12-14T01:51:28.293" v="193" actId="2710"/>
+          <ac:chgData name="Penina WANYAMA" userId="35e03ede-39c9-4c26-9704-5f7cd42f685b" providerId="ADAL" clId="{0AA9E64E-ABF7-4701-937F-1D65176FE377}" dt="2022-12-14T02:16:30.629" v="219" actId="20577"/>
           <ac:spMkLst>
             <pc:docMk/>
             <pc:sldMk cId="2257201679" sldId="262"/>
@@ -353,13 +353,13 @@
         </pc:spChg>
       </pc:sldChg>
       <pc:sldChg chg="modSp mod">
-        <pc:chgData name="Penina WANYAMA" userId="35e03ede-39c9-4c26-9704-5f7cd42f685b" providerId="ADAL" clId="{0AA9E64E-ABF7-4701-937F-1D65176FE377}" dt="2022-12-13T18:37:45.301" v="36" actId="12"/>
+        <pc:chgData name="Penina WANYAMA" userId="35e03ede-39c9-4c26-9704-5f7cd42f685b" providerId="ADAL" clId="{0AA9E64E-ABF7-4701-937F-1D65176FE377}" dt="2022-12-14T02:17:25.840" v="240" actId="20577"/>
         <pc:sldMkLst>
           <pc:docMk/>
           <pc:sldMk cId="3116522488" sldId="266"/>
         </pc:sldMkLst>
         <pc:spChg chg="mod">
-          <ac:chgData name="Penina WANYAMA" userId="35e03ede-39c9-4c26-9704-5f7cd42f685b" providerId="ADAL" clId="{0AA9E64E-ABF7-4701-937F-1D65176FE377}" dt="2022-12-13T18:37:45.301" v="36" actId="12"/>
+          <ac:chgData name="Penina WANYAMA" userId="35e03ede-39c9-4c26-9704-5f7cd42f685b" providerId="ADAL" clId="{0AA9E64E-ABF7-4701-937F-1D65176FE377}" dt="2022-12-14T02:17:25.840" v="240" actId="20577"/>
           <ac:spMkLst>
             <pc:docMk/>
             <pc:sldMk cId="3116522488" sldId="266"/>
@@ -8842,7 +8842,26 @@
                 <a:effectLst/>
                 <a:latin typeface="+mj-lt"/>
               </a:rPr>
-              <a:t> with a variance of about  $216596.78. The price of a house unit however fluctuates with change in below factors as explained in the table</a:t>
+              <a:t> with a </a:t>
+            </a:r>
+            <a:r>
+              <a:rPr lang="en-GB" sz="1600" dirty="0">
+                <a:solidFill>
+                  <a:srgbClr val="FFFFFF"/>
+                </a:solidFill>
+                <a:latin typeface="+mj-lt"/>
+              </a:rPr>
+              <a:t>standard deviation</a:t>
+            </a:r>
+            <a:r>
+              <a:rPr lang="en-GB" sz="1600" b="0" i="0" dirty="0">
+                <a:solidFill>
+                  <a:srgbClr val="FFFFFF"/>
+                </a:solidFill>
+                <a:effectLst/>
+                <a:latin typeface="+mj-lt"/>
+              </a:rPr>
+              <a:t> of about  $216596.78. The price of a house unit however fluctuates with change in below factors as explained in the table</a:t>
             </a:r>
           </a:p>
           <a:p>
@@ -10505,7 +10524,19 @@
               <a:rPr lang="en-US" sz="2000" b="0" i="0" dirty="0">
                 <a:effectLst/>
               </a:rPr>
-              <a:t>built with a  RMSE(Root Mean Squared Error) value of </a:t>
+              <a:t>built with a  </a:t>
+            </a:r>
+            <a:r>
+              <a:rPr lang="en-US" sz="2000" b="0" i="0">
+                <a:effectLst/>
+              </a:rPr>
+              <a:t>standard deviation RMSE</a:t>
+            </a:r>
+            <a:r>
+              <a:rPr lang="en-US" sz="2000" b="0" i="0" dirty="0">
+                <a:effectLst/>
+              </a:rPr>
+              <a:t>(Root Mean Squared Error) value of </a:t>
             </a:r>
             <a:r>
               <a:rPr lang="en-US" sz="2000" b="1" i="0" dirty="0">

--- a/Analysis of House Sales.pptx
+++ b/Analysis of House Sales.pptx
@@ -124,7 +124,7 @@
 <file path=ppt/revisionInfo.xml><?xml version="1.0" encoding="utf-8"?>
 <p1510:revInfo xmlns:a="http://schemas.openxmlformats.org/drawingml/2006/main" xmlns:r="http://schemas.openxmlformats.org/officeDocument/2006/relationships" xmlns:p1510="http://schemas.microsoft.com/office/powerpoint/2015/10/main">
   <p1510:revLst>
-    <p1510:client id="{0AA9E64E-ABF7-4701-937F-1D65176FE377}" v="62" dt="2022-12-14T01:49:40.399"/>
+    <p1510:client id="{0AA9E64E-ABF7-4701-937F-1D65176FE377}" v="73" dt="2022-12-18T05:41:26.100"/>
   </p1510:revLst>
 </p1510:revInfo>
 </file>
@@ -134,18 +134,95 @@
   <pc:docChgLst>
     <pc:chgData name="Penina WANYAMA" userId="35e03ede-39c9-4c26-9704-5f7cd42f685b" providerId="ADAL" clId="{0AA9E64E-ABF7-4701-937F-1D65176FE377}"/>
     <pc:docChg chg="undo custSel modSld">
-      <pc:chgData name="Penina WANYAMA" userId="35e03ede-39c9-4c26-9704-5f7cd42f685b" providerId="ADAL" clId="{0AA9E64E-ABF7-4701-937F-1D65176FE377}" dt="2022-12-14T02:17:25.840" v="240" actId="20577"/>
+      <pc:chgData name="Penina WANYAMA" userId="35e03ede-39c9-4c26-9704-5f7cd42f685b" providerId="ADAL" clId="{0AA9E64E-ABF7-4701-937F-1D65176FE377}" dt="2022-12-18T05:41:26.100" v="288" actId="255"/>
       <pc:docMkLst>
         <pc:docMk/>
       </pc:docMkLst>
+      <pc:sldChg chg="modSp mod">
+        <pc:chgData name="Penina WANYAMA" userId="35e03ede-39c9-4c26-9704-5f7cd42f685b" providerId="ADAL" clId="{0AA9E64E-ABF7-4701-937F-1D65176FE377}" dt="2022-12-18T05:35:58.515" v="248" actId="27636"/>
+        <pc:sldMkLst>
+          <pc:docMk/>
+          <pc:sldMk cId="1553961842" sldId="258"/>
+        </pc:sldMkLst>
+        <pc:spChg chg="mod">
+          <ac:chgData name="Penina WANYAMA" userId="35e03ede-39c9-4c26-9704-5f7cd42f685b" providerId="ADAL" clId="{0AA9E64E-ABF7-4701-937F-1D65176FE377}" dt="2022-12-18T05:35:58.515" v="248" actId="27636"/>
+          <ac:spMkLst>
+            <pc:docMk/>
+            <pc:sldMk cId="1553961842" sldId="258"/>
+            <ac:spMk id="3" creationId="{349C4588-6E39-922E-E396-97DCCDFF3F7C}"/>
+          </ac:spMkLst>
+        </pc:spChg>
+        <pc:picChg chg="mod">
+          <ac:chgData name="Penina WANYAMA" userId="35e03ede-39c9-4c26-9704-5f7cd42f685b" providerId="ADAL" clId="{0AA9E64E-ABF7-4701-937F-1D65176FE377}" dt="2022-12-18T05:35:43.938" v="246" actId="14100"/>
+          <ac:picMkLst>
+            <pc:docMk/>
+            <pc:sldMk cId="1553961842" sldId="258"/>
+            <ac:picMk id="6" creationId="{BF6D19EC-A461-DB8D-F8D0-CCD8BDF57ED5}"/>
+          </ac:picMkLst>
+        </pc:picChg>
+      </pc:sldChg>
+      <pc:sldChg chg="modSp">
+        <pc:chgData name="Penina WANYAMA" userId="35e03ede-39c9-4c26-9704-5f7cd42f685b" providerId="ADAL" clId="{0AA9E64E-ABF7-4701-937F-1D65176FE377}" dt="2022-12-18T05:36:23.630" v="250" actId="255"/>
+        <pc:sldMkLst>
+          <pc:docMk/>
+          <pc:sldMk cId="3814107281" sldId="259"/>
+        </pc:sldMkLst>
+        <pc:spChg chg="mod">
+          <ac:chgData name="Penina WANYAMA" userId="35e03ede-39c9-4c26-9704-5f7cd42f685b" providerId="ADAL" clId="{0AA9E64E-ABF7-4701-937F-1D65176FE377}" dt="2022-12-18T05:36:15.607" v="249" actId="255"/>
+          <ac:spMkLst>
+            <pc:docMk/>
+            <pc:sldMk cId="3814107281" sldId="259"/>
+            <ac:spMk id="2" creationId="{EB171899-AFF4-790E-0F50-F2B3E1B4DE75}"/>
+          </ac:spMkLst>
+        </pc:spChg>
+        <pc:spChg chg="mod">
+          <ac:chgData name="Penina WANYAMA" userId="35e03ede-39c9-4c26-9704-5f7cd42f685b" providerId="ADAL" clId="{0AA9E64E-ABF7-4701-937F-1D65176FE377}" dt="2022-12-18T05:36:23.630" v="250" actId="255"/>
+          <ac:spMkLst>
+            <pc:docMk/>
+            <pc:sldMk cId="3814107281" sldId="259"/>
+            <ac:spMk id="3" creationId="{349C4588-6E39-922E-E396-97DCCDFF3F7C}"/>
+          </ac:spMkLst>
+        </pc:spChg>
+      </pc:sldChg>
+      <pc:sldChg chg="modSp mod">
+        <pc:chgData name="Penina WANYAMA" userId="35e03ede-39c9-4c26-9704-5f7cd42f685b" providerId="ADAL" clId="{0AA9E64E-ABF7-4701-937F-1D65176FE377}" dt="2022-12-18T05:36:45.561" v="253" actId="27636"/>
+        <pc:sldMkLst>
+          <pc:docMk/>
+          <pc:sldMk cId="2325886832" sldId="260"/>
+        </pc:sldMkLst>
+        <pc:spChg chg="mod">
+          <ac:chgData name="Penina WANYAMA" userId="35e03ede-39c9-4c26-9704-5f7cd42f685b" providerId="ADAL" clId="{0AA9E64E-ABF7-4701-937F-1D65176FE377}" dt="2022-12-18T05:36:35.773" v="251" actId="255"/>
+          <ac:spMkLst>
+            <pc:docMk/>
+            <pc:sldMk cId="2325886832" sldId="260"/>
+            <ac:spMk id="2" creationId="{EB171899-AFF4-790E-0F50-F2B3E1B4DE75}"/>
+          </ac:spMkLst>
+        </pc:spChg>
+        <pc:spChg chg="mod">
+          <ac:chgData name="Penina WANYAMA" userId="35e03ede-39c9-4c26-9704-5f7cd42f685b" providerId="ADAL" clId="{0AA9E64E-ABF7-4701-937F-1D65176FE377}" dt="2022-12-18T05:36:45.561" v="253" actId="27636"/>
+          <ac:spMkLst>
+            <pc:docMk/>
+            <pc:sldMk cId="2325886832" sldId="260"/>
+            <ac:spMk id="3" creationId="{349C4588-6E39-922E-E396-97DCCDFF3F7C}"/>
+          </ac:spMkLst>
+        </pc:spChg>
+      </pc:sldChg>
       <pc:sldChg chg="addSp delSp modSp mod">
-        <pc:chgData name="Penina WANYAMA" userId="35e03ede-39c9-4c26-9704-5f7cd42f685b" providerId="ADAL" clId="{0AA9E64E-ABF7-4701-937F-1D65176FE377}" dt="2022-12-14T01:47:22.690" v="142" actId="26606"/>
+        <pc:chgData name="Penina WANYAMA" userId="35e03ede-39c9-4c26-9704-5f7cd42f685b" providerId="ADAL" clId="{0AA9E64E-ABF7-4701-937F-1D65176FE377}" dt="2022-12-18T05:41:26.100" v="288" actId="255"/>
         <pc:sldMkLst>
           <pc:docMk/>
           <pc:sldMk cId="3861768019" sldId="261"/>
         </pc:sldMkLst>
         <pc:spChg chg="mod">
-          <ac:chgData name="Penina WANYAMA" userId="35e03ede-39c9-4c26-9704-5f7cd42f685b" providerId="ADAL" clId="{0AA9E64E-ABF7-4701-937F-1D65176FE377}" dt="2022-12-14T01:47:09.239" v="141" actId="20577"/>
+          <ac:chgData name="Penina WANYAMA" userId="35e03ede-39c9-4c26-9704-5f7cd42f685b" providerId="ADAL" clId="{0AA9E64E-ABF7-4701-937F-1D65176FE377}" dt="2022-12-18T05:41:26.100" v="288" actId="255"/>
+          <ac:spMkLst>
+            <pc:docMk/>
+            <pc:sldMk cId="3861768019" sldId="261"/>
+            <ac:spMk id="2" creationId="{EB171899-AFF4-790E-0F50-F2B3E1B4DE75}"/>
+          </ac:spMkLst>
+        </pc:spChg>
+        <pc:spChg chg="mod">
+          <ac:chgData name="Penina WANYAMA" userId="35e03ede-39c9-4c26-9704-5f7cd42f685b" providerId="ADAL" clId="{0AA9E64E-ABF7-4701-937F-1D65176FE377}" dt="2022-12-18T05:37:03.728" v="254" actId="255"/>
           <ac:spMkLst>
             <pc:docMk/>
             <pc:sldMk cId="3861768019" sldId="261"/>
@@ -330,13 +407,13 @@
         </pc:picChg>
       </pc:sldChg>
       <pc:sldChg chg="modSp mod">
-        <pc:chgData name="Penina WANYAMA" userId="35e03ede-39c9-4c26-9704-5f7cd42f685b" providerId="ADAL" clId="{0AA9E64E-ABF7-4701-937F-1D65176FE377}" dt="2022-12-14T02:16:30.629" v="219" actId="20577"/>
+        <pc:chgData name="Penina WANYAMA" userId="35e03ede-39c9-4c26-9704-5f7cd42f685b" providerId="ADAL" clId="{0AA9E64E-ABF7-4701-937F-1D65176FE377}" dt="2022-12-18T05:39:10.563" v="279" actId="14100"/>
         <pc:sldMkLst>
           <pc:docMk/>
           <pc:sldMk cId="2257201679" sldId="262"/>
         </pc:sldMkLst>
         <pc:spChg chg="mod">
-          <ac:chgData name="Penina WANYAMA" userId="35e03ede-39c9-4c26-9704-5f7cd42f685b" providerId="ADAL" clId="{0AA9E64E-ABF7-4701-937F-1D65176FE377}" dt="2022-12-14T01:49:40.421" v="179" actId="27636"/>
+          <ac:chgData name="Penina WANYAMA" userId="35e03ede-39c9-4c26-9704-5f7cd42f685b" providerId="ADAL" clId="{0AA9E64E-ABF7-4701-937F-1D65176FE377}" dt="2022-12-18T05:37:28.493" v="258" actId="14100"/>
           <ac:spMkLst>
             <pc:docMk/>
             <pc:sldMk cId="2257201679" sldId="262"/>
@@ -344,7 +421,7 @@
           </ac:spMkLst>
         </pc:spChg>
         <pc:spChg chg="mod">
-          <ac:chgData name="Penina WANYAMA" userId="35e03ede-39c9-4c26-9704-5f7cd42f685b" providerId="ADAL" clId="{0AA9E64E-ABF7-4701-937F-1D65176FE377}" dt="2022-12-14T02:16:30.629" v="219" actId="20577"/>
+          <ac:chgData name="Penina WANYAMA" userId="35e03ede-39c9-4c26-9704-5f7cd42f685b" providerId="ADAL" clId="{0AA9E64E-ABF7-4701-937F-1D65176FE377}" dt="2022-12-18T05:39:10.563" v="279" actId="14100"/>
           <ac:spMkLst>
             <pc:docMk/>
             <pc:sldMk cId="2257201679" sldId="262"/>
@@ -353,13 +430,28 @@
         </pc:spChg>
       </pc:sldChg>
       <pc:sldChg chg="modSp mod">
-        <pc:chgData name="Penina WANYAMA" userId="35e03ede-39c9-4c26-9704-5f7cd42f685b" providerId="ADAL" clId="{0AA9E64E-ABF7-4701-937F-1D65176FE377}" dt="2022-12-14T02:17:25.840" v="240" actId="20577"/>
+        <pc:chgData name="Penina WANYAMA" userId="35e03ede-39c9-4c26-9704-5f7cd42f685b" providerId="ADAL" clId="{0AA9E64E-ABF7-4701-937F-1D65176FE377}" dt="2022-12-18T05:39:48.224" v="281" actId="255"/>
+        <pc:sldMkLst>
+          <pc:docMk/>
+          <pc:sldMk cId="3797308293" sldId="265"/>
+        </pc:sldMkLst>
+        <pc:spChg chg="mod">
+          <ac:chgData name="Penina WANYAMA" userId="35e03ede-39c9-4c26-9704-5f7cd42f685b" providerId="ADAL" clId="{0AA9E64E-ABF7-4701-937F-1D65176FE377}" dt="2022-12-18T05:39:48.224" v="281" actId="255"/>
+          <ac:spMkLst>
+            <pc:docMk/>
+            <pc:sldMk cId="3797308293" sldId="265"/>
+            <ac:spMk id="3" creationId="{349C4588-6E39-922E-E396-97DCCDFF3F7C}"/>
+          </ac:spMkLst>
+        </pc:spChg>
+      </pc:sldChg>
+      <pc:sldChg chg="modSp mod">
+        <pc:chgData name="Penina WANYAMA" userId="35e03ede-39c9-4c26-9704-5f7cd42f685b" providerId="ADAL" clId="{0AA9E64E-ABF7-4701-937F-1D65176FE377}" dt="2022-12-18T05:40:17.932" v="283" actId="2711"/>
         <pc:sldMkLst>
           <pc:docMk/>
           <pc:sldMk cId="3116522488" sldId="266"/>
         </pc:sldMkLst>
         <pc:spChg chg="mod">
-          <ac:chgData name="Penina WANYAMA" userId="35e03ede-39c9-4c26-9704-5f7cd42f685b" providerId="ADAL" clId="{0AA9E64E-ABF7-4701-937F-1D65176FE377}" dt="2022-12-14T02:17:25.840" v="240" actId="20577"/>
+          <ac:chgData name="Penina WANYAMA" userId="35e03ede-39c9-4c26-9704-5f7cd42f685b" providerId="ADAL" clId="{0AA9E64E-ABF7-4701-937F-1D65176FE377}" dt="2022-12-18T05:40:17.932" v="283" actId="2711"/>
           <ac:spMkLst>
             <pc:docMk/>
             <pc:sldMk cId="3116522488" sldId="266"/>
@@ -368,13 +460,21 @@
         </pc:spChg>
       </pc:sldChg>
       <pc:sldChg chg="modSp mod">
-        <pc:chgData name="Penina WANYAMA" userId="35e03ede-39c9-4c26-9704-5f7cd42f685b" providerId="ADAL" clId="{0AA9E64E-ABF7-4701-937F-1D65176FE377}" dt="2022-12-13T18:36:52.702" v="31" actId="11"/>
+        <pc:chgData name="Penina WANYAMA" userId="35e03ede-39c9-4c26-9704-5f7cd42f685b" providerId="ADAL" clId="{0AA9E64E-ABF7-4701-937F-1D65176FE377}" dt="2022-12-18T05:40:57.599" v="287" actId="255"/>
         <pc:sldMkLst>
           <pc:docMk/>
           <pc:sldMk cId="2178592410" sldId="267"/>
         </pc:sldMkLst>
         <pc:spChg chg="mod">
-          <ac:chgData name="Penina WANYAMA" userId="35e03ede-39c9-4c26-9704-5f7cd42f685b" providerId="ADAL" clId="{0AA9E64E-ABF7-4701-937F-1D65176FE377}" dt="2022-12-13T18:36:52.702" v="31" actId="11"/>
+          <ac:chgData name="Penina WANYAMA" userId="35e03ede-39c9-4c26-9704-5f7cd42f685b" providerId="ADAL" clId="{0AA9E64E-ABF7-4701-937F-1D65176FE377}" dt="2022-12-18T05:40:57.599" v="287" actId="255"/>
+          <ac:spMkLst>
+            <pc:docMk/>
+            <pc:sldMk cId="2178592410" sldId="267"/>
+            <ac:spMk id="2" creationId="{EB171899-AFF4-790E-0F50-F2B3E1B4DE75}"/>
+          </ac:spMkLst>
+        </pc:spChg>
+        <pc:spChg chg="mod">
+          <ac:chgData name="Penina WANYAMA" userId="35e03ede-39c9-4c26-9704-5f7cd42f685b" providerId="ADAL" clId="{0AA9E64E-ABF7-4701-937F-1D65176FE377}" dt="2022-12-18T05:40:50.607" v="286" actId="255"/>
           <ac:spMkLst>
             <pc:docMk/>
             <pc:sldMk cId="2178592410" sldId="267"/>
@@ -536,7 +636,7 @@
           <a:p>
             <a:fld id="{5F126065-ADC9-4BE9-B6A7-84153C8D5A5F}" type="datetimeFigureOut">
               <a:rPr lang="en-GB" smtClean="0"/>
-              <a:t>14/12/2022</a:t>
+              <a:t>18/12/2022</a:t>
             </a:fld>
             <a:endParaRPr lang="en-GB"/>
           </a:p>
@@ -736,7 +836,7 @@
           <a:p>
             <a:fld id="{5F126065-ADC9-4BE9-B6A7-84153C8D5A5F}" type="datetimeFigureOut">
               <a:rPr lang="en-GB" smtClean="0"/>
-              <a:t>14/12/2022</a:t>
+              <a:t>18/12/2022</a:t>
             </a:fld>
             <a:endParaRPr lang="en-GB"/>
           </a:p>
@@ -946,7 +1046,7 @@
           <a:p>
             <a:fld id="{5F126065-ADC9-4BE9-B6A7-84153C8D5A5F}" type="datetimeFigureOut">
               <a:rPr lang="en-GB" smtClean="0"/>
-              <a:t>14/12/2022</a:t>
+              <a:t>18/12/2022</a:t>
             </a:fld>
             <a:endParaRPr lang="en-GB"/>
           </a:p>
@@ -1146,7 +1246,7 @@
           <a:p>
             <a:fld id="{5F126065-ADC9-4BE9-B6A7-84153C8D5A5F}" type="datetimeFigureOut">
               <a:rPr lang="en-GB" smtClean="0"/>
-              <a:t>14/12/2022</a:t>
+              <a:t>18/12/2022</a:t>
             </a:fld>
             <a:endParaRPr lang="en-GB"/>
           </a:p>
@@ -1422,7 +1522,7 @@
           <a:p>
             <a:fld id="{5F126065-ADC9-4BE9-B6A7-84153C8D5A5F}" type="datetimeFigureOut">
               <a:rPr lang="en-GB" smtClean="0"/>
-              <a:t>14/12/2022</a:t>
+              <a:t>18/12/2022</a:t>
             </a:fld>
             <a:endParaRPr lang="en-GB"/>
           </a:p>
@@ -1690,7 +1790,7 @@
           <a:p>
             <a:fld id="{5F126065-ADC9-4BE9-B6A7-84153C8D5A5F}" type="datetimeFigureOut">
               <a:rPr lang="en-GB" smtClean="0"/>
-              <a:t>14/12/2022</a:t>
+              <a:t>18/12/2022</a:t>
             </a:fld>
             <a:endParaRPr lang="en-GB"/>
           </a:p>
@@ -2105,7 +2205,7 @@
           <a:p>
             <a:fld id="{5F126065-ADC9-4BE9-B6A7-84153C8D5A5F}" type="datetimeFigureOut">
               <a:rPr lang="en-GB" smtClean="0"/>
-              <a:t>14/12/2022</a:t>
+              <a:t>18/12/2022</a:t>
             </a:fld>
             <a:endParaRPr lang="en-GB"/>
           </a:p>
@@ -2247,7 +2347,7 @@
           <a:p>
             <a:fld id="{5F126065-ADC9-4BE9-B6A7-84153C8D5A5F}" type="datetimeFigureOut">
               <a:rPr lang="en-GB" smtClean="0"/>
-              <a:t>14/12/2022</a:t>
+              <a:t>18/12/2022</a:t>
             </a:fld>
             <a:endParaRPr lang="en-GB"/>
           </a:p>
@@ -2360,7 +2460,7 @@
           <a:p>
             <a:fld id="{5F126065-ADC9-4BE9-B6A7-84153C8D5A5F}" type="datetimeFigureOut">
               <a:rPr lang="en-GB" smtClean="0"/>
-              <a:t>14/12/2022</a:t>
+              <a:t>18/12/2022</a:t>
             </a:fld>
             <a:endParaRPr lang="en-GB"/>
           </a:p>
@@ -2673,7 +2773,7 @@
           <a:p>
             <a:fld id="{5F126065-ADC9-4BE9-B6A7-84153C8D5A5F}" type="datetimeFigureOut">
               <a:rPr lang="en-GB" smtClean="0"/>
-              <a:t>14/12/2022</a:t>
+              <a:t>18/12/2022</a:t>
             </a:fld>
             <a:endParaRPr lang="en-GB"/>
           </a:p>
@@ -2962,7 +3062,7 @@
           <a:p>
             <a:fld id="{5F126065-ADC9-4BE9-B6A7-84153C8D5A5F}" type="datetimeFigureOut">
               <a:rPr lang="en-GB" smtClean="0"/>
-              <a:t>14/12/2022</a:t>
+              <a:t>18/12/2022</a:t>
             </a:fld>
             <a:endParaRPr lang="en-GB"/>
           </a:p>
@@ -3205,7 +3305,7 @@
           <a:p>
             <a:fld id="{5F126065-ADC9-4BE9-B6A7-84153C8D5A5F}" type="datetimeFigureOut">
               <a:rPr lang="en-GB" smtClean="0"/>
-              <a:t>14/12/2022</a:t>
+              <a:t>18/12/2022</a:t>
             </a:fld>
             <a:endParaRPr lang="en-GB"/>
           </a:p>
@@ -5219,13 +5319,13 @@
         </p:spPr>
         <p:txBody>
           <a:bodyPr vert="horz" lIns="91440" tIns="45720" rIns="91440" bIns="45720" rtlCol="0">
-            <a:normAutofit/>
+            <a:normAutofit lnSpcReduction="10000"/>
           </a:bodyPr>
           <a:lstStyle/>
           <a:p>
             <a:pPr algn="l"/>
             <a:r>
-              <a:rPr lang="en-US" sz="1400" dirty="0"/>
+              <a:rPr lang="en-US" sz="1600" dirty="0"/>
               <a:t>Regression analysis of  the house features on the existing King County Housing Authority data predicts that the house unit prices could increase if:</a:t>
             </a:r>
           </a:p>
@@ -5235,7 +5335,7 @@
               <a:buChar char="§"/>
             </a:pPr>
             <a:r>
-              <a:rPr lang="en-US" sz="1400" dirty="0"/>
+              <a:rPr lang="en-US" sz="1600" dirty="0"/>
               <a:t>Older houses are renovated to include features such as water fronts, increased number of bathrooms</a:t>
             </a:r>
           </a:p>
@@ -5245,7 +5345,7 @@
               <a:buChar char="§"/>
             </a:pPr>
             <a:r>
-              <a:rPr lang="en-US" sz="1400" dirty="0"/>
+              <a:rPr lang="en-US" sz="1600" dirty="0"/>
               <a:t>The grade and overall condition  of houses are improved</a:t>
             </a:r>
           </a:p>
@@ -5255,7 +5355,7 @@
               <a:buChar char="§"/>
             </a:pPr>
             <a:r>
-              <a:rPr lang="en-US" sz="1400" dirty="0"/>
+              <a:rPr lang="en-US" sz="1600" dirty="0"/>
               <a:t>House owners can build houses that have at least one floor up</a:t>
             </a:r>
           </a:p>
@@ -5896,7 +5996,7 @@
           <a:p>
             <a:pPr algn="l"/>
             <a:r>
-              <a:rPr lang="en-GB" sz="4800" b="1" dirty="0"/>
+              <a:rPr lang="en-GB" sz="4000" b="1" dirty="0"/>
               <a:t>outline</a:t>
             </a:r>
           </a:p>
@@ -6157,7 +6257,7 @@
               <a:buChar char="§"/>
             </a:pPr>
             <a:r>
-              <a:rPr lang="en-GB" sz="1500" dirty="0">
+              <a:rPr lang="en-GB" sz="1600" dirty="0">
                 <a:solidFill>
                   <a:srgbClr val="FFFFFF"/>
                 </a:solidFill>
@@ -6171,7 +6271,7 @@
               <a:buChar char="§"/>
             </a:pPr>
             <a:r>
-              <a:rPr lang="en-GB" sz="1500" dirty="0">
+              <a:rPr lang="en-GB" sz="1600" dirty="0">
                 <a:solidFill>
                   <a:srgbClr val="FFFFFF"/>
                 </a:solidFill>
@@ -6185,7 +6285,7 @@
               <a:buChar char="§"/>
             </a:pPr>
             <a:r>
-              <a:rPr lang="en-GB" sz="1500" dirty="0">
+              <a:rPr lang="en-GB" sz="1600" dirty="0">
                 <a:solidFill>
                   <a:srgbClr val="FFFFFF"/>
                 </a:solidFill>
@@ -6199,7 +6299,7 @@
               <a:buChar char="§"/>
             </a:pPr>
             <a:r>
-              <a:rPr lang="en-GB" sz="1500" dirty="0">
+              <a:rPr lang="en-GB" sz="1600" dirty="0">
                 <a:solidFill>
                   <a:srgbClr val="FFFFFF"/>
                 </a:solidFill>
@@ -6804,7 +6904,7 @@
           <a:p>
             <a:pPr algn="l"/>
             <a:r>
-              <a:rPr lang="en-GB" sz="4800" b="1"/>
+              <a:rPr lang="en-GB" sz="4000" b="1" dirty="0"/>
               <a:t>Business Problem</a:t>
             </a:r>
           </a:p>
@@ -7056,7 +7156,7 @@
         </p:spPr>
         <p:txBody>
           <a:bodyPr anchor="t">
-            <a:normAutofit/>
+            <a:normAutofit lnSpcReduction="10000"/>
           </a:bodyPr>
           <a:lstStyle/>
           <a:p>
@@ -7065,7 +7165,7 @@
               <a:buChar char="§"/>
             </a:pPr>
             <a:r>
-              <a:rPr lang="en-GB" sz="1500" dirty="0">
+              <a:rPr lang="en-GB" sz="1600" dirty="0">
                 <a:solidFill>
                   <a:srgbClr val="FFFFFF"/>
                 </a:solidFill>
@@ -7079,7 +7179,7 @@
               <a:buChar char="§"/>
             </a:pPr>
             <a:r>
-              <a:rPr lang="en-GB" sz="1500" dirty="0">
+              <a:rPr lang="en-GB" sz="1600" dirty="0">
                 <a:solidFill>
                   <a:srgbClr val="FFFFFF"/>
                 </a:solidFill>
@@ -7093,7 +7193,7 @@
               <a:buChar char="§"/>
             </a:pPr>
             <a:r>
-              <a:rPr lang="en-GB" sz="1500" dirty="0">
+              <a:rPr lang="en-GB" sz="1600" dirty="0">
                 <a:solidFill>
                   <a:srgbClr val="FFFFFF"/>
                 </a:solidFill>
@@ -7652,7 +7752,7 @@
           <a:p>
             <a:pPr algn="l"/>
             <a:r>
-              <a:rPr lang="en-GB" sz="4800" b="1" dirty="0"/>
+              <a:rPr lang="en-GB" sz="4000" b="1" dirty="0"/>
               <a:t>Data and Methods</a:t>
             </a:r>
           </a:p>
@@ -7910,7 +8010,7 @@
           <a:p>
             <a:pPr algn="l"/>
             <a:r>
-              <a:rPr lang="en-GB" sz="1700" b="1" dirty="0">
+              <a:rPr lang="en-GB" sz="1600" b="1" dirty="0">
                 <a:solidFill>
                   <a:srgbClr val="FFFFFF"/>
                 </a:solidFill>
@@ -7924,7 +8024,7 @@
               <a:buChar char="§"/>
             </a:pPr>
             <a:r>
-              <a:rPr lang="en-GB" sz="1700" dirty="0">
+              <a:rPr lang="en-GB" sz="1600" dirty="0">
                 <a:solidFill>
                   <a:srgbClr val="FFFFFF"/>
                 </a:solidFill>
@@ -8683,8 +8783,8 @@
         </p:nvSpPr>
         <p:spPr>
           <a:xfrm>
-            <a:off x="660040" y="2767106"/>
-            <a:ext cx="2919739" cy="3085054"/>
+            <a:off x="463824" y="2767106"/>
+            <a:ext cx="3115955" cy="3085054"/>
           </a:xfrm>
         </p:spPr>
         <p:txBody>
@@ -8703,31 +8803,33 @@
                 <a:ea typeface="+mj-ea"/>
                 <a:cs typeface="+mj-cs"/>
               </a:rPr>
-              <a:t> Regression Analysis Results-</a:t>
+              <a:t> </a:t>
             </a:r>
-            <a:br>
-              <a:rPr lang="en-US" sz="4000" b="1" kern="1200" dirty="0">
+            <a:r>
+              <a:rPr lang="en-US" sz="4400" b="1" kern="1200" dirty="0">
                 <a:solidFill>
                   <a:srgbClr val="FFFFFF"/>
                 </a:solidFill>
-                <a:latin typeface="+mj-lt"/>
-                <a:ea typeface="+mj-ea"/>
-                <a:cs typeface="+mj-cs"/>
+              </a:rPr>
+              <a:t>Regression Analysis Results-</a:t>
+            </a:r>
+            <a:br>
+              <a:rPr lang="en-US" sz="4400" b="1" kern="1200" dirty="0">
+                <a:solidFill>
+                  <a:srgbClr val="FFFFFF"/>
+                </a:solidFill>
               </a:rPr>
             </a:br>
             <a:r>
-              <a:rPr lang="en-US" sz="4000" b="1" kern="1200" dirty="0">
+              <a:rPr lang="en-US" sz="4400" b="1" kern="1200" dirty="0">
                 <a:solidFill>
                   <a:srgbClr val="FFFFFF"/>
                 </a:solidFill>
-                <a:latin typeface="+mj-lt"/>
-                <a:ea typeface="+mj-ea"/>
-                <a:cs typeface="+mj-cs"/>
               </a:rPr>
               <a:t>I</a:t>
             </a:r>
             <a:r>
-              <a:rPr lang="en-US" sz="4000" b="1" dirty="0">
+              <a:rPr lang="en-US" sz="4400" b="1" dirty="0">
                 <a:solidFill>
                   <a:srgbClr val="FFFFFF"/>
                 </a:solidFill>
@@ -8773,13 +8875,13 @@
         </p:nvSpPr>
         <p:spPr>
           <a:xfrm>
-            <a:off x="660042" y="806824"/>
-            <a:ext cx="2919738" cy="1494117"/>
+            <a:off x="660042" y="583096"/>
+            <a:ext cx="2919738" cy="2023592"/>
           </a:xfrm>
         </p:spPr>
         <p:txBody>
           <a:bodyPr vert="horz" lIns="91440" tIns="45720" rIns="91440" bIns="45720" rtlCol="0" anchor="b">
-            <a:normAutofit fontScale="92500" lnSpcReduction="20000"/>
+            <a:normAutofit fontScale="32500" lnSpcReduction="20000"/>
           </a:bodyPr>
           <a:lstStyle/>
           <a:p>
@@ -8787,45 +8889,27 @@
               <a:buFont typeface="Arial" panose="020B0604020202020204" pitchFamily="34" charset="0"/>
               <a:buChar char="•"/>
             </a:pPr>
-            <a:endParaRPr lang="en-US" sz="1300" dirty="0">
+            <a:endParaRPr lang="en-US" sz="2600" dirty="0">
               <a:solidFill>
                 <a:srgbClr val="FFFFFF"/>
               </a:solidFill>
+              <a:latin typeface="+mj-lt"/>
             </a:endParaRPr>
           </a:p>
           <a:p>
             <a:pPr algn="l"/>
             <a:r>
-              <a:rPr lang="en-GB" sz="1600" b="0" i="0" dirty="0">
+              <a:rPr lang="en-GB" sz="4900" b="0" i="0" dirty="0">
                 <a:solidFill>
                   <a:srgbClr val="FFFFFF"/>
                 </a:solidFill>
                 <a:effectLst/>
                 <a:latin typeface="+mj-lt"/>
               </a:rPr>
-              <a:t>From our </a:t>
+              <a:t>From our regression analysis the base price for a house is</a:t>
             </a:r>
             <a:r>
-              <a:rPr lang="en-GB" sz="1600" b="0" i="0" dirty="0">
-                <a:solidFill>
-                  <a:srgbClr val="FFFFFF"/>
-                </a:solidFill>
-                <a:effectLst/>
-              </a:rPr>
-              <a:t>regression</a:t>
-            </a:r>
-            <a:r>
-              <a:rPr lang="en-GB" sz="1600" b="0" i="0" dirty="0">
-                <a:solidFill>
-                  <a:srgbClr val="FFFFFF"/>
-                </a:solidFill>
-                <a:effectLst/>
-                <a:latin typeface="+mj-lt"/>
-              </a:rPr>
-              <a:t> analysis the base price for a house is</a:t>
-            </a:r>
-            <a:r>
-              <a:rPr lang="en-GB" sz="1600" b="1" i="0" dirty="0">
+              <a:rPr lang="en-GB" sz="4900" b="1" i="0" dirty="0">
                 <a:solidFill>
                   <a:srgbClr val="FFFFFF"/>
                 </a:solidFill>
@@ -8835,7 +8919,7 @@
               <a:t> $ 6672793.67</a:t>
             </a:r>
             <a:r>
-              <a:rPr lang="en-GB" sz="1600" b="0" i="0" dirty="0">
+              <a:rPr lang="en-GB" sz="4900" b="0" i="0" dirty="0">
                 <a:solidFill>
                   <a:srgbClr val="FFFFFF"/>
                 </a:solidFill>
@@ -8845,7 +8929,7 @@
               <a:t> with a </a:t>
             </a:r>
             <a:r>
-              <a:rPr lang="en-GB" sz="1600" dirty="0">
+              <a:rPr lang="en-GB" sz="4900" dirty="0">
                 <a:solidFill>
                   <a:srgbClr val="FFFFFF"/>
                 </a:solidFill>
@@ -8854,14 +8938,27 @@
               <a:t>standard deviation</a:t>
             </a:r>
             <a:r>
-              <a:rPr lang="en-GB" sz="1600" b="0" i="0" dirty="0">
+              <a:rPr lang="en-GB" sz="4900" b="0" i="0" dirty="0">
                 <a:solidFill>
                   <a:srgbClr val="FFFFFF"/>
                 </a:solidFill>
                 <a:effectLst/>
                 <a:latin typeface="+mj-lt"/>
               </a:rPr>
-              <a:t> of about  $216596.78. The price of a house unit however fluctuates with change in below factors as explained in the table</a:t>
+              <a:t> of about  $216596.78. </a:t>
+            </a:r>
+          </a:p>
+          <a:p>
+            <a:pPr algn="l"/>
+            <a:r>
+              <a:rPr lang="en-GB" sz="4900" b="0" i="0" dirty="0">
+                <a:solidFill>
+                  <a:srgbClr val="FFFFFF"/>
+                </a:solidFill>
+                <a:effectLst/>
+                <a:latin typeface="+mj-lt"/>
+              </a:rPr>
+              <a:t>The price of a house unit however fluctuates with change in below factors as explained in the table</a:t>
             </a:r>
           </a:p>
           <a:p>
@@ -9594,28 +9691,29 @@
           <a:p>
             <a:pPr algn="l"/>
             <a:r>
-              <a:rPr lang="en-GB" sz="1900">
+              <a:rPr lang="en-GB" sz="1600" dirty="0">
                 <a:solidFill>
                   <a:srgbClr val="FFFFFF"/>
                 </a:solidFill>
-                <a:latin typeface="Helvetica Neue"/>
+                <a:latin typeface="+mj-lt"/>
               </a:rPr>
               <a:t>The </a:t>
             </a:r>
             <a:r>
-              <a:rPr lang="en-GB" sz="1900" b="0" i="0">
+              <a:rPr lang="en-GB" sz="1600" b="0" i="0" dirty="0">
                 <a:solidFill>
                   <a:srgbClr val="FFFFFF"/>
                 </a:solidFill>
                 <a:effectLst/>
-                <a:latin typeface="Helvetica Neue"/>
+                <a:latin typeface="+mj-lt"/>
               </a:rPr>
               <a:t>model has a close to perfect linear relationship between our predicted house prices and the actual prices</a:t>
             </a:r>
-            <a:endParaRPr lang="en-GB" sz="1900">
+            <a:endParaRPr lang="en-GB" sz="1600" dirty="0">
               <a:solidFill>
                 <a:srgbClr val="FFFFFF"/>
               </a:solidFill>
+              <a:latin typeface="+mj-lt"/>
             </a:endParaRPr>
           </a:p>
         </p:txBody>
@@ -10438,7 +10536,7 @@
           <a:p>
             <a:pPr algn="r"/>
             <a:br>
-              <a:rPr lang="en-US" sz="4000" b="1" kern="1200">
+              <a:rPr lang="en-US" sz="4000" b="1" kern="1200" dirty="0">
                 <a:solidFill>
                   <a:srgbClr val="FFFFFF"/>
                 </a:solidFill>
@@ -10448,7 +10546,7 @@
               </a:rPr>
             </a:br>
             <a:r>
-              <a:rPr lang="en-US" sz="4000" b="1" kern="1200">
+              <a:rPr lang="en-US" sz="4000" b="1" kern="1200" dirty="0">
                 <a:solidFill>
                   <a:srgbClr val="FFFFFF"/>
                 </a:solidFill>
@@ -10493,7 +10591,9 @@
               <a:buFont typeface="Arial" panose="020B0604020202020204" pitchFamily="34" charset="0"/>
               <a:buChar char="•"/>
             </a:pPr>
-            <a:endParaRPr lang="en-US" sz="2000" dirty="0"/>
+            <a:endParaRPr lang="en-US" sz="1600" dirty="0">
+              <a:latin typeface="+mj-lt"/>
+            </a:endParaRPr>
           </a:p>
           <a:p>
             <a:pPr marL="457200" indent="-342900" algn="l">
@@ -10501,64 +10601,63 @@
               <a:buChar char="§"/>
             </a:pPr>
             <a:r>
-              <a:rPr lang="en-US" sz="2000" b="0" i="0" dirty="0">
+              <a:rPr lang="en-US" sz="1600" b="0" i="0" dirty="0">
                 <a:effectLst/>
+                <a:latin typeface="+mj-lt"/>
               </a:rPr>
               <a:t>The variables that will affect the price change of each house unit in Northwestern county are the number of bedrooms, number of bathrooms, square </a:t>
             </a:r>
             <a:r>
-              <a:rPr lang="en-US" sz="2000" dirty="0"/>
+              <a:rPr lang="en-US" sz="1600" dirty="0">
+                <a:latin typeface="+mj-lt"/>
+              </a:rPr>
               <a:t>ft </a:t>
             </a:r>
             <a:r>
-              <a:rPr lang="en-US" sz="2000" b="0" i="0" dirty="0">
+              <a:rPr lang="en-US" sz="1600" b="0" i="0" dirty="0">
                 <a:effectLst/>
+                <a:latin typeface="+mj-lt"/>
               </a:rPr>
               <a:t>living area, number of floors, waterfront, overall house condition, the overall grade of the house, </a:t>
             </a:r>
             <a:r>
-              <a:rPr lang="en-US" sz="2000" dirty="0"/>
+              <a:rPr lang="en-US" sz="1600" dirty="0">
+                <a:latin typeface="+mj-lt"/>
+              </a:rPr>
               <a:t>and the year the house was </a:t>
             </a:r>
             <a:r>
-              <a:rPr lang="en-US" sz="2000" b="0" i="0" dirty="0">
+              <a:rPr lang="en-US" sz="1600" b="0" i="0" dirty="0">
                 <a:effectLst/>
+                <a:latin typeface="+mj-lt"/>
               </a:rPr>
-              <a:t>built with a  </a:t>
+              <a:t>built with a  standard deviation RMSE(Root Mean Squared Error) value of </a:t>
             </a:r>
             <a:r>
-              <a:rPr lang="en-US" sz="2000" b="0" i="0">
+              <a:rPr lang="en-US" sz="1600" b="1" i="0" dirty="0">
                 <a:effectLst/>
-              </a:rPr>
-              <a:t>standard deviation RMSE</a:t>
-            </a:r>
-            <a:r>
-              <a:rPr lang="en-US" sz="2000" b="0" i="0" dirty="0">
-                <a:effectLst/>
-              </a:rPr>
-              <a:t>(Root Mean Squared Error) value of </a:t>
-            </a:r>
-            <a:r>
-              <a:rPr lang="en-US" sz="2000" b="1" i="0" dirty="0">
-                <a:effectLst/>
+                <a:latin typeface="+mj-lt"/>
               </a:rPr>
               <a:t>$</a:t>
             </a:r>
             <a:r>
-              <a:rPr lang="en-US" sz="2000" b="0" i="0" dirty="0">
+              <a:rPr lang="en-US" sz="1600" b="0" i="0" dirty="0">
                 <a:effectLst/>
+                <a:latin typeface="+mj-lt"/>
               </a:rPr>
               <a:t> </a:t>
             </a:r>
             <a:r>
-              <a:rPr lang="en-US" sz="2000" b="1" i="0" dirty="0">
+              <a:rPr lang="en-US" sz="1600" b="1" i="0" dirty="0">
                 <a:effectLst/>
+                <a:latin typeface="+mj-lt"/>
               </a:rPr>
               <a:t>216596.78</a:t>
             </a:r>
             <a:r>
-              <a:rPr lang="en-US" sz="2000" b="0" i="0" dirty="0">
+              <a:rPr lang="en-US" sz="1600" b="0" i="0" dirty="0">
                 <a:effectLst/>
+                <a:latin typeface="+mj-lt"/>
               </a:rPr>
               <a:t>. </a:t>
             </a:r>
@@ -10569,25 +10668,28 @@
               <a:buChar char="§"/>
             </a:pPr>
             <a:r>
-              <a:rPr lang="en-US" sz="2000" b="0" i="0" dirty="0">
+              <a:rPr lang="en-US" sz="1600" b="0" i="0" dirty="0">
                 <a:effectLst/>
+                <a:latin typeface="+mj-lt"/>
               </a:rPr>
               <a:t>From the final model interpretation, we see that Older houses and number of bedrooms have a negative change in price. While </a:t>
             </a:r>
             <a:r>
-              <a:rPr kumimoji="0" lang="en-US" sz="2000" b="0" i="0" u="none" strike="noStrike" cap="none" spc="0" normalizeH="0" baseline="0" noProof="0" dirty="0">
+              <a:rPr kumimoji="0" lang="en-US" sz="1600" b="0" i="0" u="none" strike="noStrike" cap="none" spc="0" normalizeH="0" baseline="0" noProof="0" dirty="0">
                 <a:ln>
                   <a:noFill/>
                 </a:ln>
                 <a:effectLst/>
                 <a:uLnTx/>
                 <a:uFillTx/>
+                <a:latin typeface="+mj-lt"/>
               </a:rPr>
               <a:t>number of number of bathrooms, square ft living area, number of floors, waterfront, overall house condition, and  the overall grade of the house</a:t>
             </a:r>
             <a:r>
-              <a:rPr lang="en-US" sz="2000" b="0" i="0" dirty="0">
+              <a:rPr lang="en-US" sz="1600" b="0" i="0" dirty="0">
                 <a:effectLst/>
+                <a:latin typeface="+mj-lt"/>
               </a:rPr>
               <a:t> have a positive impact on the price.</a:t>
             </a:r>
@@ -11131,13 +11233,13 @@
         </p:spPr>
         <p:txBody>
           <a:bodyPr vert="horz" lIns="91440" tIns="45720" rIns="91440" bIns="45720" rtlCol="0" anchor="ctr">
-            <a:normAutofit/>
+            <a:normAutofit fontScale="90000"/>
           </a:bodyPr>
           <a:lstStyle/>
           <a:p>
             <a:pPr algn="l"/>
             <a:br>
-              <a:rPr lang="en-US" sz="2200" b="1" kern="1200">
+              <a:rPr lang="en-US" sz="4400" b="1" kern="1200" dirty="0">
                 <a:solidFill>
                   <a:srgbClr val="FFFFFF"/>
                 </a:solidFill>
@@ -11147,7 +11249,7 @@
               </a:rPr>
             </a:br>
             <a:r>
-              <a:rPr lang="en-US" sz="2200" b="1" kern="1200">
+              <a:rPr lang="en-US" sz="4400" b="1" kern="1200" dirty="0">
                 <a:solidFill>
                   <a:srgbClr val="FFFFFF"/>
                 </a:solidFill>
@@ -11158,7 +11260,7 @@
               <a:t>Recommendations</a:t>
             </a:r>
             <a:br>
-              <a:rPr lang="en-US" sz="2200" kern="1200">
+              <a:rPr lang="en-US" sz="2200" kern="1200" dirty="0">
                 <a:solidFill>
                   <a:srgbClr val="FFFFFF"/>
                 </a:solidFill>
@@ -11167,7 +11269,7 @@
                 <a:cs typeface="+mj-cs"/>
               </a:rPr>
             </a:br>
-            <a:endParaRPr lang="en-US" sz="2200" kern="1200">
+            <a:endParaRPr lang="en-US" sz="2200" kern="1200" dirty="0">
               <a:solidFill>
                 <a:srgbClr val="FFFFFF"/>
               </a:solidFill>
@@ -11210,7 +11312,7 @@
               <a:buFont typeface="Arial" panose="020B0604020202020204" pitchFamily="34" charset="0"/>
               <a:buChar char="•"/>
             </a:pPr>
-            <a:endParaRPr lang="en-US" sz="1700" dirty="0"/>
+            <a:endParaRPr lang="en-US" sz="1600" dirty="0"/>
           </a:p>
           <a:p>
             <a:pPr marL="171450" indent="-400050" algn="l">
@@ -11218,7 +11320,7 @@
               <a:buAutoNum type="romanLcPeriod"/>
             </a:pPr>
             <a:r>
-              <a:rPr lang="en-US" sz="1700" b="0" i="0" dirty="0">
+              <a:rPr lang="en-US" sz="1600" b="0" i="0" dirty="0">
                 <a:effectLst/>
               </a:rPr>
               <a:t>Older houses can be renovated to include features such as waterfront because each house unit that has a waterfront equals to a price increase of $ 787274.58.</a:t>
@@ -11230,7 +11332,7 @@
               <a:buAutoNum type="romanLcPeriod"/>
             </a:pPr>
             <a:r>
-              <a:rPr lang="en-US" sz="1700" b="0" i="0" dirty="0">
+              <a:rPr lang="en-US" sz="1600" b="0" i="0" dirty="0">
                 <a:effectLst/>
               </a:rPr>
               <a:t>Homeowners should build more houses that have more than one floor since the value price increment for each house is quite high -approximately $ 127477.49</a:t>
@@ -11242,7 +11344,7 @@
               <a:buAutoNum type="romanLcPeriod"/>
             </a:pPr>
             <a:r>
-              <a:rPr lang="en-US" sz="1700" b="0" i="0" dirty="0">
+              <a:rPr lang="en-US" sz="1600" b="0" i="0" dirty="0">
                 <a:effectLst/>
               </a:rPr>
               <a:t>The unit area change of the living room also affects the price by 182.74. Homeowners should build houses that have larder living areas in order to increase the house price.</a:t>
@@ -11254,7 +11356,7 @@
               <a:buAutoNum type="romanLcPeriod"/>
             </a:pPr>
             <a:r>
-              <a:rPr lang="en-US" sz="1700" b="0" i="0" dirty="0">
+              <a:rPr lang="en-US" sz="1600" b="0" i="0" dirty="0">
                 <a:effectLst/>
               </a:rPr>
               <a:t>The overall condition change of the house constitutes $ 17830.20 price increase. Homeowners should look for means to improve the overall condition of the house by perhaps repairing bathrooms or even increasing the number of the bathrooms in the house</a:t>
@@ -11266,7 +11368,7 @@
               <a:buAutoNum type="romanLcPeriod"/>
             </a:pPr>
             <a:r>
-              <a:rPr lang="en-US" sz="1700" b="0" i="0" dirty="0">
+              <a:rPr lang="en-US" sz="1600" b="0" i="0" dirty="0">
                 <a:effectLst/>
               </a:rPr>
               <a:t>Homeowners should also seek to change the real estate grading of their houses if possible since an upward change in the grade of the house increases the house price by $ 127477.48</a:t>

--- a/Analysis of House Sales.pptx
+++ b/Analysis of House Sales.pptx
@@ -124,7 +124,7 @@
 <file path=ppt/revisionInfo.xml><?xml version="1.0" encoding="utf-8"?>
 <p1510:revInfo xmlns:a="http://schemas.openxmlformats.org/drawingml/2006/main" xmlns:r="http://schemas.openxmlformats.org/officeDocument/2006/relationships" xmlns:p1510="http://schemas.microsoft.com/office/powerpoint/2015/10/main">
   <p1510:revLst>
-    <p1510:client id="{0AA9E64E-ABF7-4701-937F-1D65176FE377}" v="73" dt="2022-12-18T05:41:26.100"/>
+    <p1510:client id="{0AA9E64E-ABF7-4701-937F-1D65176FE377}" v="75" dt="2022-12-20T19:26:19.758"/>
   </p1510:revLst>
 </p1510:revInfo>
 </file>
@@ -134,10 +134,25 @@
   <pc:docChgLst>
     <pc:chgData name="Penina WANYAMA" userId="35e03ede-39c9-4c26-9704-5f7cd42f685b" providerId="ADAL" clId="{0AA9E64E-ABF7-4701-937F-1D65176FE377}"/>
     <pc:docChg chg="undo custSel modSld">
-      <pc:chgData name="Penina WANYAMA" userId="35e03ede-39c9-4c26-9704-5f7cd42f685b" providerId="ADAL" clId="{0AA9E64E-ABF7-4701-937F-1D65176FE377}" dt="2022-12-18T05:41:26.100" v="288" actId="255"/>
+      <pc:chgData name="Penina WANYAMA" userId="35e03ede-39c9-4c26-9704-5f7cd42f685b" providerId="ADAL" clId="{0AA9E64E-ABF7-4701-937F-1D65176FE377}" dt="2022-12-20T19:26:19.758" v="290" actId="20577"/>
       <pc:docMkLst>
         <pc:docMk/>
       </pc:docMkLst>
+      <pc:sldChg chg="modSp">
+        <pc:chgData name="Penina WANYAMA" userId="35e03ede-39c9-4c26-9704-5f7cd42f685b" providerId="ADAL" clId="{0AA9E64E-ABF7-4701-937F-1D65176FE377}" dt="2022-12-20T19:26:19.758" v="290" actId="20577"/>
+        <pc:sldMkLst>
+          <pc:docMk/>
+          <pc:sldMk cId="4130838405" sldId="256"/>
+        </pc:sldMkLst>
+        <pc:spChg chg="mod">
+          <ac:chgData name="Penina WANYAMA" userId="35e03ede-39c9-4c26-9704-5f7cd42f685b" providerId="ADAL" clId="{0AA9E64E-ABF7-4701-937F-1D65176FE377}" dt="2022-12-20T19:26:19.758" v="290" actId="20577"/>
+          <ac:spMkLst>
+            <pc:docMk/>
+            <pc:sldMk cId="4130838405" sldId="256"/>
+            <ac:spMk id="2" creationId="{EB171899-AFF4-790E-0F50-F2B3E1B4DE75}"/>
+          </ac:spMkLst>
+        </pc:spChg>
+      </pc:sldChg>
       <pc:sldChg chg="modSp mod">
         <pc:chgData name="Penina WANYAMA" userId="35e03ede-39c9-4c26-9704-5f7cd42f685b" providerId="ADAL" clId="{0AA9E64E-ABF7-4701-937F-1D65176FE377}" dt="2022-12-18T05:35:58.515" v="248" actId="27636"/>
         <pc:sldMkLst>
@@ -636,7 +651,7 @@
           <a:p>
             <a:fld id="{5F126065-ADC9-4BE9-B6A7-84153C8D5A5F}" type="datetimeFigureOut">
               <a:rPr lang="en-GB" smtClean="0"/>
-              <a:t>18/12/2022</a:t>
+              <a:t>20/12/2022</a:t>
             </a:fld>
             <a:endParaRPr lang="en-GB"/>
           </a:p>
@@ -836,7 +851,7 @@
           <a:p>
             <a:fld id="{5F126065-ADC9-4BE9-B6A7-84153C8D5A5F}" type="datetimeFigureOut">
               <a:rPr lang="en-GB" smtClean="0"/>
-              <a:t>18/12/2022</a:t>
+              <a:t>20/12/2022</a:t>
             </a:fld>
             <a:endParaRPr lang="en-GB"/>
           </a:p>
@@ -1046,7 +1061,7 @@
           <a:p>
             <a:fld id="{5F126065-ADC9-4BE9-B6A7-84153C8D5A5F}" type="datetimeFigureOut">
               <a:rPr lang="en-GB" smtClean="0"/>
-              <a:t>18/12/2022</a:t>
+              <a:t>20/12/2022</a:t>
             </a:fld>
             <a:endParaRPr lang="en-GB"/>
           </a:p>
@@ -1246,7 +1261,7 @@
           <a:p>
             <a:fld id="{5F126065-ADC9-4BE9-B6A7-84153C8D5A5F}" type="datetimeFigureOut">
               <a:rPr lang="en-GB" smtClean="0"/>
-              <a:t>18/12/2022</a:t>
+              <a:t>20/12/2022</a:t>
             </a:fld>
             <a:endParaRPr lang="en-GB"/>
           </a:p>
@@ -1522,7 +1537,7 @@
           <a:p>
             <a:fld id="{5F126065-ADC9-4BE9-B6A7-84153C8D5A5F}" type="datetimeFigureOut">
               <a:rPr lang="en-GB" smtClean="0"/>
-              <a:t>18/12/2022</a:t>
+              <a:t>20/12/2022</a:t>
             </a:fld>
             <a:endParaRPr lang="en-GB"/>
           </a:p>
@@ -1790,7 +1805,7 @@
           <a:p>
             <a:fld id="{5F126065-ADC9-4BE9-B6A7-84153C8D5A5F}" type="datetimeFigureOut">
               <a:rPr lang="en-GB" smtClean="0"/>
-              <a:t>18/12/2022</a:t>
+              <a:t>20/12/2022</a:t>
             </a:fld>
             <a:endParaRPr lang="en-GB"/>
           </a:p>
@@ -2205,7 +2220,7 @@
           <a:p>
             <a:fld id="{5F126065-ADC9-4BE9-B6A7-84153C8D5A5F}" type="datetimeFigureOut">
               <a:rPr lang="en-GB" smtClean="0"/>
-              <a:t>18/12/2022</a:t>
+              <a:t>20/12/2022</a:t>
             </a:fld>
             <a:endParaRPr lang="en-GB"/>
           </a:p>
@@ -2347,7 +2362,7 @@
           <a:p>
             <a:fld id="{5F126065-ADC9-4BE9-B6A7-84153C8D5A5F}" type="datetimeFigureOut">
               <a:rPr lang="en-GB" smtClean="0"/>
-              <a:t>18/12/2022</a:t>
+              <a:t>20/12/2022</a:t>
             </a:fld>
             <a:endParaRPr lang="en-GB"/>
           </a:p>
@@ -2460,7 +2475,7 @@
           <a:p>
             <a:fld id="{5F126065-ADC9-4BE9-B6A7-84153C8D5A5F}" type="datetimeFigureOut">
               <a:rPr lang="en-GB" smtClean="0"/>
-              <a:t>18/12/2022</a:t>
+              <a:t>20/12/2022</a:t>
             </a:fld>
             <a:endParaRPr lang="en-GB"/>
           </a:p>
@@ -2773,7 +2788,7 @@
           <a:p>
             <a:fld id="{5F126065-ADC9-4BE9-B6A7-84153C8D5A5F}" type="datetimeFigureOut">
               <a:rPr lang="en-GB" smtClean="0"/>
-              <a:t>18/12/2022</a:t>
+              <a:t>20/12/2022</a:t>
             </a:fld>
             <a:endParaRPr lang="en-GB"/>
           </a:p>
@@ -3062,7 +3077,7 @@
           <a:p>
             <a:fld id="{5F126065-ADC9-4BE9-B6A7-84153C8D5A5F}" type="datetimeFigureOut">
               <a:rPr lang="en-GB" smtClean="0"/>
-              <a:t>18/12/2022</a:t>
+              <a:t>20/12/2022</a:t>
             </a:fld>
             <a:endParaRPr lang="en-GB"/>
           </a:p>
@@ -3305,7 +3320,7 @@
           <a:p>
             <a:fld id="{5F126065-ADC9-4BE9-B6A7-84153C8D5A5F}" type="datetimeFigureOut">
               <a:rPr lang="en-GB" smtClean="0"/>
-              <a:t>18/12/2022</a:t>
+              <a:t>20/12/2022</a:t>
             </a:fld>
             <a:endParaRPr lang="en-GB"/>
           </a:p>
@@ -3837,7 +3852,15 @@
             <a:pPr algn="l"/>
             <a:r>
               <a:rPr lang="en-GB" sz="4800" b="1" dirty="0"/>
-              <a:t>Analysis of House Sales in a Northwestern County</a:t>
+              <a:t>Analysis of House Sales in </a:t>
+            </a:r>
+            <a:r>
+              <a:rPr lang="en-GB" sz="4800" b="1" dirty="0" err="1"/>
+              <a:t>Northwestern</a:t>
+            </a:r>
+            <a:r>
+              <a:rPr lang="en-GB" sz="4800" b="1" dirty="0"/>
+              <a:t> County</a:t>
             </a:r>
             <a:endParaRPr lang="en-GB" sz="4800" dirty="0"/>
           </a:p>
